--- a/BLEGuard_poster.pptx
+++ b/BLEGuard_poster.pptx
@@ -243,7 +243,7 @@
           <a:p>
             <a:fld id="{DACAA92F-9FC3-9543-B067-DAE176A747E3}" type="datetimeFigureOut">
               <a:rPr lang="en-US" smtClean="0"/>
-              <a:t>4/11/24</a:t>
+              <a:t>4/28/24</a:t>
             </a:fld>
             <a:endParaRPr lang="en-US"/>
           </a:p>
@@ -413,7 +413,7 @@
           <a:p>
             <a:fld id="{DACAA92F-9FC3-9543-B067-DAE176A747E3}" type="datetimeFigureOut">
               <a:rPr lang="en-US" smtClean="0"/>
-              <a:t>4/11/24</a:t>
+              <a:t>4/28/24</a:t>
             </a:fld>
             <a:endParaRPr lang="en-US"/>
           </a:p>
@@ -593,7 +593,7 @@
           <a:p>
             <a:fld id="{DACAA92F-9FC3-9543-B067-DAE176A747E3}" type="datetimeFigureOut">
               <a:rPr lang="en-US" smtClean="0"/>
-              <a:t>4/11/24</a:t>
+              <a:t>4/28/24</a:t>
             </a:fld>
             <a:endParaRPr lang="en-US"/>
           </a:p>
@@ -763,7 +763,7 @@
           <a:p>
             <a:fld id="{DACAA92F-9FC3-9543-B067-DAE176A747E3}" type="datetimeFigureOut">
               <a:rPr lang="en-US" smtClean="0"/>
-              <a:t>4/11/24</a:t>
+              <a:t>4/28/24</a:t>
             </a:fld>
             <a:endParaRPr lang="en-US"/>
           </a:p>
@@ -1007,7 +1007,7 @@
           <a:p>
             <a:fld id="{DACAA92F-9FC3-9543-B067-DAE176A747E3}" type="datetimeFigureOut">
               <a:rPr lang="en-US" smtClean="0"/>
-              <a:t>4/11/24</a:t>
+              <a:t>4/28/24</a:t>
             </a:fld>
             <a:endParaRPr lang="en-US"/>
           </a:p>
@@ -1239,7 +1239,7 @@
           <a:p>
             <a:fld id="{DACAA92F-9FC3-9543-B067-DAE176A747E3}" type="datetimeFigureOut">
               <a:rPr lang="en-US" smtClean="0"/>
-              <a:t>4/11/24</a:t>
+              <a:t>4/28/24</a:t>
             </a:fld>
             <a:endParaRPr lang="en-US"/>
           </a:p>
@@ -1606,7 +1606,7 @@
           <a:p>
             <a:fld id="{DACAA92F-9FC3-9543-B067-DAE176A747E3}" type="datetimeFigureOut">
               <a:rPr lang="en-US" smtClean="0"/>
-              <a:t>4/11/24</a:t>
+              <a:t>4/28/24</a:t>
             </a:fld>
             <a:endParaRPr lang="en-US"/>
           </a:p>
@@ -1724,7 +1724,7 @@
           <a:p>
             <a:fld id="{DACAA92F-9FC3-9543-B067-DAE176A747E3}" type="datetimeFigureOut">
               <a:rPr lang="en-US" smtClean="0"/>
-              <a:t>4/11/24</a:t>
+              <a:t>4/28/24</a:t>
             </a:fld>
             <a:endParaRPr lang="en-US"/>
           </a:p>
@@ -1819,7 +1819,7 @@
           <a:p>
             <a:fld id="{DACAA92F-9FC3-9543-B067-DAE176A747E3}" type="datetimeFigureOut">
               <a:rPr lang="en-US" smtClean="0"/>
-              <a:t>4/11/24</a:t>
+              <a:t>4/28/24</a:t>
             </a:fld>
             <a:endParaRPr lang="en-US"/>
           </a:p>
@@ -2096,7 +2096,7 @@
           <a:p>
             <a:fld id="{DACAA92F-9FC3-9543-B067-DAE176A747E3}" type="datetimeFigureOut">
               <a:rPr lang="en-US" smtClean="0"/>
-              <a:t>4/11/24</a:t>
+              <a:t>4/28/24</a:t>
             </a:fld>
             <a:endParaRPr lang="en-US"/>
           </a:p>
@@ -2353,7 +2353,7 @@
           <a:p>
             <a:fld id="{DACAA92F-9FC3-9543-B067-DAE176A747E3}" type="datetimeFigureOut">
               <a:rPr lang="en-US" smtClean="0"/>
-              <a:t>4/11/24</a:t>
+              <a:t>4/28/24</a:t>
             </a:fld>
             <a:endParaRPr lang="en-US"/>
           </a:p>
@@ -2566,7 +2566,7 @@
           <a:p>
             <a:fld id="{DACAA92F-9FC3-9543-B067-DAE176A747E3}" type="datetimeFigureOut">
               <a:rPr lang="en-US" smtClean="0"/>
-              <a:t>4/11/24</a:t>
+              <a:t>4/28/24</a:t>
             </a:fld>
             <a:endParaRPr lang="en-US"/>
           </a:p>
@@ -3309,7 +3309,7 @@
           <p:nvPr>
             <p:extLst>
               <p:ext uri="{D42A27DB-BD31-4B8C-83A1-F6EECF244321}">
-                <p14:modId xmlns:p14="http://schemas.microsoft.com/office/powerpoint/2010/main" val="3392715676"/>
+                <p14:modId xmlns:p14="http://schemas.microsoft.com/office/powerpoint/2010/main" val="296193612"/>
               </p:ext>
             </p:extLst>
           </p:nvPr>
@@ -3444,7 +3444,7 @@
                       <a:pPr algn="ctr"/>
                       <a:r>
                         <a:rPr lang="en-US" sz="1050" dirty="0"/>
-                        <a:t>99.01</a:t>
+                        <a:t>99.02</a:t>
                       </a:r>
                     </a:p>
                   </a:txBody>
@@ -3457,8 +3457,8 @@
                     <a:p>
                       <a:pPr algn="ctr"/>
                       <a:r>
-                        <a:rPr lang="en-US" sz="1050" b="1" dirty="0"/>
-                        <a:t>2.05</a:t>
+                        <a:rPr lang="en-US" sz="1050" b="0" dirty="0"/>
+                        <a:t>2.04</a:t>
                       </a:r>
                     </a:p>
                   </a:txBody>
@@ -3471,8 +3471,8 @@
                     <a:p>
                       <a:pPr algn="ctr"/>
                       <a:r>
-                        <a:rPr lang="en-US" sz="1050" b="1" dirty="0"/>
-                        <a:t>0.36</a:t>
+                        <a:rPr lang="en-US" sz="1050" b="0" dirty="0"/>
+                        <a:t>0.37</a:t>
                       </a:r>
                     </a:p>
                   </a:txBody>
@@ -3506,7 +3506,7 @@
                     <a:p>
                       <a:pPr algn="ctr"/>
                       <a:r>
-                        <a:rPr lang="en-US" sz="1050" b="1" dirty="0"/>
+                        <a:rPr lang="en-US" sz="1050" b="0" dirty="0"/>
                         <a:t>99.54</a:t>
                       </a:r>
                     </a:p>
@@ -3588,7 +3588,7 @@
                     <a:p>
                       <a:pPr algn="ctr"/>
                       <a:r>
-                        <a:rPr lang="en-US" sz="1050" b="1" dirty="0"/>
+                        <a:rPr lang="en-US" sz="1050" b="0" dirty="0"/>
                         <a:t>-</a:t>
                       </a:r>
                     </a:p>
